--- a/images/java/orientdb-api-stack.pptx
+++ b/images/java/orientdb-api-stack.pptx
@@ -3371,7 +3371,7 @@
                         <a:schemeClr val="tx1"/>
                       </a:solidFill>
                     </a:rPr>
-                    <a:t>Graph + Document API</a:t>
+                    <a:t>Multi-Model API</a:t>
                   </a:r>
                 </a:p>
               </p:txBody>
